--- a/Exploration of Phthalate Exposure Amongst Various Populations.pptx
+++ b/Exploration of Phthalate Exposure Amongst Various Populations.pptx
@@ -12537,13 +12537,13 @@
   <p:clrMapOvr>
     <a:masterClrMapping/>
   </p:clrMapOvr>
-  <mc:AlternateContent xmlns:mc="http://schemas.openxmlformats.org/markup-compatibility/2006">
-    <mc:Choice xmlns:p14="http://schemas.microsoft.com/office/powerpoint/2010/main" Requires="p14">
+  <mc:AlternateContent xmlns:mc="http://schemas.openxmlformats.org/markup-compatibility/2006" xmlns:p14="http://schemas.microsoft.com/office/powerpoint/2010/main">
+    <mc:Choice Requires="p14">
       <p:transition spd="med" p14:dur="700">
         <p:fade/>
       </p:transition>
     </mc:Choice>
-    <mc:Fallback>
+    <mc:Fallback xmlns="">
       <p:transition spd="med">
         <p:fade/>
       </p:transition>
@@ -12728,13 +12728,13 @@
   <p:clrMapOvr>
     <a:masterClrMapping/>
   </p:clrMapOvr>
-  <mc:AlternateContent xmlns:mc="http://schemas.openxmlformats.org/markup-compatibility/2006">
-    <mc:Choice xmlns:p14="http://schemas.microsoft.com/office/powerpoint/2010/main" Requires="p14">
+  <mc:AlternateContent xmlns:mc="http://schemas.openxmlformats.org/markup-compatibility/2006" xmlns:p14="http://schemas.microsoft.com/office/powerpoint/2010/main">
+    <mc:Choice Requires="p14">
       <p:transition spd="med" p14:dur="700">
         <p:fade/>
       </p:transition>
     </mc:Choice>
-    <mc:Fallback>
+    <mc:Fallback xmlns="">
       <p:transition spd="med">
         <p:fade/>
       </p:transition>
@@ -13781,8 +13781,39 @@
         </p:nvSpPr>
         <p:spPr/>
         <p:txBody>
-          <a:bodyPr/>
+          <a:bodyPr>
+            <a:normAutofit/>
+          </a:bodyPr>
           <a:lstStyle/>
+          <a:p>
+            <a:endParaRPr lang="en-US" dirty="0"/>
+          </a:p>
+          <a:p>
+            <a:r>
+              <a:rPr lang="en-US" dirty="0"/>
+              <a:t>Measurements can be taken by:</a:t>
+            </a:r>
+          </a:p>
+          <a:p>
+            <a:pPr lvl="1"/>
+            <a:r>
+              <a:rPr lang="en-US" dirty="0"/>
+              <a:t>Blood Sample (Serum)</a:t>
+            </a:r>
+          </a:p>
+          <a:p>
+            <a:pPr lvl="1"/>
+            <a:r>
+              <a:rPr lang="en-US" dirty="0"/>
+              <a:t>Urine Sample</a:t>
+            </a:r>
+          </a:p>
+          <a:p>
+            <a:pPr marL="228600" lvl="1" indent="0">
+              <a:buNone/>
+            </a:pPr>
+            <a:endParaRPr lang="en-US" dirty="0"/>
+          </a:p>
           <a:p>
             <a:r>
               <a:rPr lang="en-US" dirty="0"/>
@@ -13791,26 +13822,6 @@
           </a:p>
           <a:p>
             <a:endParaRPr lang="en-US" dirty="0"/>
-          </a:p>
-          <a:p>
-            <a:r>
-              <a:rPr lang="en-US" dirty="0"/>
-              <a:t>Measurements can be taken by:</a:t>
-            </a:r>
-          </a:p>
-          <a:p>
-            <a:pPr lvl="1"/>
-            <a:r>
-              <a:rPr lang="en-US" dirty="0"/>
-              <a:t>Blood Sample (Serum)</a:t>
-            </a:r>
-          </a:p>
-          <a:p>
-            <a:pPr lvl="1"/>
-            <a:r>
-              <a:rPr lang="en-US" dirty="0"/>
-              <a:t>Urine Sample</a:t>
-            </a:r>
           </a:p>
           <a:p>
             <a:pPr marL="0" indent="0">
@@ -14022,7 +14033,7 @@
             <a:pPr lvl="1"/>
             <a:r>
               <a:rPr lang="en-US" dirty="0"/>
-              <a:t>Early puberty in female and shortened pregnancies</a:t>
+              <a:t>Early puberty in females and shortened pregnancies</a:t>
             </a:r>
           </a:p>
           <a:p>

--- a/Exploration of Phthalate Exposure Amongst Various Populations.pptx
+++ b/Exploration of Phthalate Exposure Amongst Various Populations.pptx
@@ -4794,7 +4794,7 @@
           <a:p>
             <a:fld id="{043B725B-653D-4166-A8E9-72A38A1847CF}" type="datetimeFigureOut">
               <a:rPr lang="en-US"/>
-              <a:t>1/26/2019</a:t>
+              <a:t>2/10/2019</a:t>
             </a:fld>
             <a:endParaRPr/>
           </a:p>
@@ -4959,7 +4959,7 @@
           <a:p>
             <a:fld id="{783F64CD-0576-4A9A-BD06-7889D6E60BDC}" type="datetimeFigureOut">
               <a:rPr lang="en-US"/>
-              <a:t>1/26/2019</a:t>
+              <a:t>2/10/2019</a:t>
             </a:fld>
             <a:endParaRPr/>
           </a:p>
@@ -7644,7 +7644,7 @@
           <a:p>
             <a:fld id="{37CC0096-1860-4642-9CD2-0079EA5E7CD1}" type="datetimeFigureOut">
               <a:rPr lang="en-US"/>
-              <a:t>1/26/2019</a:t>
+              <a:t>2/10/2019</a:t>
             </a:fld>
             <a:endParaRPr/>
           </a:p>
@@ -7893,7 +7893,7 @@
           <a:p>
             <a:fld id="{37CC0096-1860-4642-9CD2-0079EA5E7CD1}" type="datetimeFigureOut">
               <a:rPr lang="en-US"/>
-              <a:t>1/26/2019</a:t>
+              <a:t>2/10/2019</a:t>
             </a:fld>
             <a:endParaRPr/>
           </a:p>
@@ -8079,7 +8079,7 @@
           <a:p>
             <a:fld id="{37CC0096-1860-4642-9CD2-0079EA5E7CD1}" type="datetimeFigureOut">
               <a:rPr lang="en-US"/>
-              <a:t>1/26/2019</a:t>
+              <a:t>2/10/2019</a:t>
             </a:fld>
             <a:endParaRPr/>
           </a:p>
@@ -8610,7 +8610,7 @@
           <a:p>
             <a:fld id="{37CC0096-1860-4642-9CD2-0079EA5E7CD1}" type="datetimeFigureOut">
               <a:rPr lang="en-US"/>
-              <a:t>1/26/2019</a:t>
+              <a:t>2/10/2019</a:t>
             </a:fld>
             <a:endParaRPr/>
           </a:p>
@@ -9062,7 +9062,7 @@
           <a:p>
             <a:fld id="{37CC0096-1860-4642-9CD2-0079EA5E7CD1}" type="datetimeFigureOut">
               <a:rPr lang="en-US"/>
-              <a:t>1/26/2019</a:t>
+              <a:t>2/10/2019</a:t>
             </a:fld>
             <a:endParaRPr/>
           </a:p>
@@ -9192,7 +9192,7 @@
           <a:p>
             <a:fld id="{37CC0096-1860-4642-9CD2-0079EA5E7CD1}" type="datetimeFigureOut">
               <a:rPr lang="en-US"/>
-              <a:t>1/26/2019</a:t>
+              <a:t>2/10/2019</a:t>
             </a:fld>
             <a:endParaRPr/>
           </a:p>
@@ -9299,7 +9299,7 @@
           <a:p>
             <a:fld id="{37CC0096-1860-4642-9CD2-0079EA5E7CD1}" type="datetimeFigureOut">
               <a:rPr lang="en-US"/>
-              <a:t>1/26/2019</a:t>
+              <a:t>2/10/2019</a:t>
             </a:fld>
             <a:endParaRPr/>
           </a:p>
@@ -10288,7 +10288,7 @@
             <a:fld id="{37CC0096-1860-4642-9CD2-0079EA5E7CD1}" type="datetimeFigureOut">
               <a:rPr lang="en-US" smtClean="0"/>
               <a:pPr/>
-              <a:t>1/26/2019</a:t>
+              <a:t>2/10/2019</a:t>
             </a:fld>
             <a:endParaRPr lang="en-US" dirty="0"/>
           </a:p>
@@ -14498,7 +14498,7 @@
         </p:blipFill>
         <p:spPr>
           <a:xfrm>
-            <a:off x="838200" y="1219201"/>
+            <a:off x="838200" y="1280716"/>
             <a:ext cx="10093487" cy="5424884"/>
           </a:xfrm>
           <a:prstGeom prst="rect">
